--- a/ppt 16-9/1474.你的亲人在哪.pptx
+++ b/ppt 16-9/1474.你的亲人在哪.pptx
@@ -5,7 +5,7 @@
     <p:sldMasterId id="2147483648" r:id="rId1"/>
   </p:sldMasterIdLst>
   <p:sldIdLst>
-    <p:sldId id="1048" r:id="rId2"/>
+    <p:sldId id="1049" r:id="rId2"/>
   </p:sldIdLst>
   <p:sldSz cx="12192000" cy="6858000"/>
   <p:notesSz cx="6858000" cy="9144000"/>
@@ -129,7 +129,7 @@
           <p:cNvPr id="2" name="标题 1">
             <a:extLst>
               <a:ext uri="{FF2B5EF4-FFF2-40B4-BE49-F238E27FC236}">
-                <a16:creationId xmlns:a16="http://schemas.microsoft.com/office/drawing/2014/main" id="{1B7E34C5-3A9B-A02F-D984-8274AB542E39}"/>
+                <a16:creationId xmlns:a16="http://schemas.microsoft.com/office/drawing/2014/main" id="{2A0D6999-CCA4-24C7-3E0D-31040353671B}"/>
               </a:ext>
             </a:extLst>
           </p:cNvPr>
@@ -166,7 +166,7 @@
           <p:cNvPr id="3" name="副标题 2">
             <a:extLst>
               <a:ext uri="{FF2B5EF4-FFF2-40B4-BE49-F238E27FC236}">
-                <a16:creationId xmlns:a16="http://schemas.microsoft.com/office/drawing/2014/main" id="{CD7875D8-BCA4-B555-79D5-B448734F98F6}"/>
+                <a16:creationId xmlns:a16="http://schemas.microsoft.com/office/drawing/2014/main" id="{2024EB7C-6D0F-8B2A-2FE1-EF5932C8A5A9}"/>
               </a:ext>
             </a:extLst>
           </p:cNvPr>
@@ -236,7 +236,7 @@
           <p:cNvPr id="4" name="日期占位符 3">
             <a:extLst>
               <a:ext uri="{FF2B5EF4-FFF2-40B4-BE49-F238E27FC236}">
-                <a16:creationId xmlns:a16="http://schemas.microsoft.com/office/drawing/2014/main" id="{69EA5F31-382E-AF70-3B5E-2D90CB021027}"/>
+                <a16:creationId xmlns:a16="http://schemas.microsoft.com/office/drawing/2014/main" id="{0B417B34-5EF8-2A38-49AD-F0C0E6213FB1}"/>
               </a:ext>
             </a:extLst>
           </p:cNvPr>
@@ -252,7 +252,7 @@
           <a:bodyPr/>
           <a:lstStyle/>
           <a:p>
-            <a:fld id="{253C0BFC-02EA-4603-A29E-35A96B545269}" type="datetimeFigureOut">
+            <a:fld id="{7E295CBB-AEA3-4A35-A4D6-55FBCEFBA0FA}" type="datetimeFigureOut">
               <a:rPr lang="zh-CN" altLang="en-US" smtClean="0"/>
               <a:t>2024/3/10</a:t>
             </a:fld>
@@ -265,7 +265,7 @@
           <p:cNvPr id="5" name="页脚占位符 4">
             <a:extLst>
               <a:ext uri="{FF2B5EF4-FFF2-40B4-BE49-F238E27FC236}">
-                <a16:creationId xmlns:a16="http://schemas.microsoft.com/office/drawing/2014/main" id="{934D8926-C550-142A-6FF8-AD05E0E7D75A}"/>
+                <a16:creationId xmlns:a16="http://schemas.microsoft.com/office/drawing/2014/main" id="{F80D0A2F-E114-CB96-7DF4-703267ADEFE5}"/>
               </a:ext>
             </a:extLst>
           </p:cNvPr>
@@ -290,7 +290,7 @@
           <p:cNvPr id="6" name="灯片编号占位符 5">
             <a:extLst>
               <a:ext uri="{FF2B5EF4-FFF2-40B4-BE49-F238E27FC236}">
-                <a16:creationId xmlns:a16="http://schemas.microsoft.com/office/drawing/2014/main" id="{4649257A-9ED0-854D-1D6A-ACA4A2A1967B}"/>
+                <a16:creationId xmlns:a16="http://schemas.microsoft.com/office/drawing/2014/main" id="{EF5E58B4-4BA3-8A14-1AB9-0F0701136F29}"/>
               </a:ext>
             </a:extLst>
           </p:cNvPr>
@@ -306,7 +306,7 @@
           <a:bodyPr/>
           <a:lstStyle/>
           <a:p>
-            <a:fld id="{69A3E8F6-943B-49AE-A4E5-4DDBC7E890C4}" type="slidenum">
+            <a:fld id="{E9BBACD8-7E5C-43DA-A3F4-A6C13DF75664}" type="slidenum">
               <a:rPr lang="zh-CN" altLang="en-US" smtClean="0"/>
               <a:t>‹#›</a:t>
             </a:fld>
@@ -317,7 +317,7 @@
     </p:spTree>
     <p:extLst>
       <p:ext uri="{BB962C8B-B14F-4D97-AF65-F5344CB8AC3E}">
-        <p14:creationId xmlns:p14="http://schemas.microsoft.com/office/powerpoint/2010/main" val="258811120"/>
+        <p14:creationId xmlns:p14="http://schemas.microsoft.com/office/powerpoint/2010/main" val="324019668"/>
       </p:ext>
     </p:extLst>
   </p:cSld>
@@ -349,7 +349,7 @@
           <p:cNvPr id="2" name="标题 1">
             <a:extLst>
               <a:ext uri="{FF2B5EF4-FFF2-40B4-BE49-F238E27FC236}">
-                <a16:creationId xmlns:a16="http://schemas.microsoft.com/office/drawing/2014/main" id="{5461E614-05CD-AB6E-E7C9-7E9B227B0A11}"/>
+                <a16:creationId xmlns:a16="http://schemas.microsoft.com/office/drawing/2014/main" id="{C5B6225E-09AE-E653-4A54-F4266AC44CD6}"/>
               </a:ext>
             </a:extLst>
           </p:cNvPr>
@@ -377,7 +377,7 @@
           <p:cNvPr id="3" name="竖排文字占位符 2">
             <a:extLst>
               <a:ext uri="{FF2B5EF4-FFF2-40B4-BE49-F238E27FC236}">
-                <a16:creationId xmlns:a16="http://schemas.microsoft.com/office/drawing/2014/main" id="{FE4E465D-7E20-163D-5D53-F31B4A694443}"/>
+                <a16:creationId xmlns:a16="http://schemas.microsoft.com/office/drawing/2014/main" id="{16AB76E0-E55F-5934-13BA-A1FE00013AAD}"/>
               </a:ext>
             </a:extLst>
           </p:cNvPr>
@@ -434,7 +434,7 @@
           <p:cNvPr id="4" name="日期占位符 3">
             <a:extLst>
               <a:ext uri="{FF2B5EF4-FFF2-40B4-BE49-F238E27FC236}">
-                <a16:creationId xmlns:a16="http://schemas.microsoft.com/office/drawing/2014/main" id="{2928BB35-B5E9-7D7C-7629-4BF4196B5F84}"/>
+                <a16:creationId xmlns:a16="http://schemas.microsoft.com/office/drawing/2014/main" id="{7D11E91B-5EAD-D769-8A95-25C9F9359996}"/>
               </a:ext>
             </a:extLst>
           </p:cNvPr>
@@ -450,7 +450,7 @@
           <a:bodyPr/>
           <a:lstStyle/>
           <a:p>
-            <a:fld id="{253C0BFC-02EA-4603-A29E-35A96B545269}" type="datetimeFigureOut">
+            <a:fld id="{7E295CBB-AEA3-4A35-A4D6-55FBCEFBA0FA}" type="datetimeFigureOut">
               <a:rPr lang="zh-CN" altLang="en-US" smtClean="0"/>
               <a:t>2024/3/10</a:t>
             </a:fld>
@@ -463,7 +463,7 @@
           <p:cNvPr id="5" name="页脚占位符 4">
             <a:extLst>
               <a:ext uri="{FF2B5EF4-FFF2-40B4-BE49-F238E27FC236}">
-                <a16:creationId xmlns:a16="http://schemas.microsoft.com/office/drawing/2014/main" id="{BCC2CF82-76E1-5234-497A-14A67F1E94B0}"/>
+                <a16:creationId xmlns:a16="http://schemas.microsoft.com/office/drawing/2014/main" id="{570EE14A-02B0-7B19-5835-74C692269B29}"/>
               </a:ext>
             </a:extLst>
           </p:cNvPr>
@@ -488,7 +488,7 @@
           <p:cNvPr id="6" name="灯片编号占位符 5">
             <a:extLst>
               <a:ext uri="{FF2B5EF4-FFF2-40B4-BE49-F238E27FC236}">
-                <a16:creationId xmlns:a16="http://schemas.microsoft.com/office/drawing/2014/main" id="{11BC969B-4A38-6172-4A80-A5FBE9E80E9F}"/>
+                <a16:creationId xmlns:a16="http://schemas.microsoft.com/office/drawing/2014/main" id="{F1FE5740-D2B8-8B55-011D-700E4298674A}"/>
               </a:ext>
             </a:extLst>
           </p:cNvPr>
@@ -504,7 +504,7 @@
           <a:bodyPr/>
           <a:lstStyle/>
           <a:p>
-            <a:fld id="{69A3E8F6-943B-49AE-A4E5-4DDBC7E890C4}" type="slidenum">
+            <a:fld id="{E9BBACD8-7E5C-43DA-A3F4-A6C13DF75664}" type="slidenum">
               <a:rPr lang="zh-CN" altLang="en-US" smtClean="0"/>
               <a:t>‹#›</a:t>
             </a:fld>
@@ -515,7 +515,7 @@
     </p:spTree>
     <p:extLst>
       <p:ext uri="{BB962C8B-B14F-4D97-AF65-F5344CB8AC3E}">
-        <p14:creationId xmlns:p14="http://schemas.microsoft.com/office/powerpoint/2010/main" val="2459964915"/>
+        <p14:creationId xmlns:p14="http://schemas.microsoft.com/office/powerpoint/2010/main" val="2471089004"/>
       </p:ext>
     </p:extLst>
   </p:cSld>
@@ -547,7 +547,7 @@
           <p:cNvPr id="2" name="竖排标题 1">
             <a:extLst>
               <a:ext uri="{FF2B5EF4-FFF2-40B4-BE49-F238E27FC236}">
-                <a16:creationId xmlns:a16="http://schemas.microsoft.com/office/drawing/2014/main" id="{CEB7D8E8-5886-7741-347B-7ED811E8511B}"/>
+                <a16:creationId xmlns:a16="http://schemas.microsoft.com/office/drawing/2014/main" id="{97510161-8383-9025-CBB1-8F9426E6B4BB}"/>
               </a:ext>
             </a:extLst>
           </p:cNvPr>
@@ -580,7 +580,7 @@
           <p:cNvPr id="3" name="竖排文字占位符 2">
             <a:extLst>
               <a:ext uri="{FF2B5EF4-FFF2-40B4-BE49-F238E27FC236}">
-                <a16:creationId xmlns:a16="http://schemas.microsoft.com/office/drawing/2014/main" id="{4F0FBE7A-B3DE-986E-C12D-05C3F1577B7C}"/>
+                <a16:creationId xmlns:a16="http://schemas.microsoft.com/office/drawing/2014/main" id="{6D7160DC-8550-0031-31D0-952479CAD950}"/>
               </a:ext>
             </a:extLst>
           </p:cNvPr>
@@ -642,7 +642,7 @@
           <p:cNvPr id="4" name="日期占位符 3">
             <a:extLst>
               <a:ext uri="{FF2B5EF4-FFF2-40B4-BE49-F238E27FC236}">
-                <a16:creationId xmlns:a16="http://schemas.microsoft.com/office/drawing/2014/main" id="{8BE1199B-1ABA-8746-22D0-2223D5614BE8}"/>
+                <a16:creationId xmlns:a16="http://schemas.microsoft.com/office/drawing/2014/main" id="{AABE201A-F17F-1C1D-A853-E89D68BDF3F6}"/>
               </a:ext>
             </a:extLst>
           </p:cNvPr>
@@ -658,7 +658,7 @@
           <a:bodyPr/>
           <a:lstStyle/>
           <a:p>
-            <a:fld id="{253C0BFC-02EA-4603-A29E-35A96B545269}" type="datetimeFigureOut">
+            <a:fld id="{7E295CBB-AEA3-4A35-A4D6-55FBCEFBA0FA}" type="datetimeFigureOut">
               <a:rPr lang="zh-CN" altLang="en-US" smtClean="0"/>
               <a:t>2024/3/10</a:t>
             </a:fld>
@@ -671,7 +671,7 @@
           <p:cNvPr id="5" name="页脚占位符 4">
             <a:extLst>
               <a:ext uri="{FF2B5EF4-FFF2-40B4-BE49-F238E27FC236}">
-                <a16:creationId xmlns:a16="http://schemas.microsoft.com/office/drawing/2014/main" id="{803DA2B9-F65F-9442-9554-FD277C00939B}"/>
+                <a16:creationId xmlns:a16="http://schemas.microsoft.com/office/drawing/2014/main" id="{CF9DE33A-25AF-C524-708F-B18685879C84}"/>
               </a:ext>
             </a:extLst>
           </p:cNvPr>
@@ -696,7 +696,7 @@
           <p:cNvPr id="6" name="灯片编号占位符 5">
             <a:extLst>
               <a:ext uri="{FF2B5EF4-FFF2-40B4-BE49-F238E27FC236}">
-                <a16:creationId xmlns:a16="http://schemas.microsoft.com/office/drawing/2014/main" id="{A0C2613F-CFC4-2700-135B-6C321E51E25A}"/>
+                <a16:creationId xmlns:a16="http://schemas.microsoft.com/office/drawing/2014/main" id="{CDB2161E-9A0A-841A-57C0-D58F6B303BD8}"/>
               </a:ext>
             </a:extLst>
           </p:cNvPr>
@@ -712,7 +712,7 @@
           <a:bodyPr/>
           <a:lstStyle/>
           <a:p>
-            <a:fld id="{69A3E8F6-943B-49AE-A4E5-4DDBC7E890C4}" type="slidenum">
+            <a:fld id="{E9BBACD8-7E5C-43DA-A3F4-A6C13DF75664}" type="slidenum">
               <a:rPr lang="zh-CN" altLang="en-US" smtClean="0"/>
               <a:t>‹#›</a:t>
             </a:fld>
@@ -723,7 +723,7 @@
     </p:spTree>
     <p:extLst>
       <p:ext uri="{BB962C8B-B14F-4D97-AF65-F5344CB8AC3E}">
-        <p14:creationId xmlns:p14="http://schemas.microsoft.com/office/powerpoint/2010/main" val="915904030"/>
+        <p14:creationId xmlns:p14="http://schemas.microsoft.com/office/powerpoint/2010/main" val="3038595853"/>
       </p:ext>
     </p:extLst>
   </p:cSld>
@@ -755,7 +755,7 @@
           <p:cNvPr id="2" name="标题 1">
             <a:extLst>
               <a:ext uri="{FF2B5EF4-FFF2-40B4-BE49-F238E27FC236}">
-                <a16:creationId xmlns:a16="http://schemas.microsoft.com/office/drawing/2014/main" id="{A81707AB-4288-2D93-C2B4-F69595470325}"/>
+                <a16:creationId xmlns:a16="http://schemas.microsoft.com/office/drawing/2014/main" id="{0764170D-A3D3-7167-5626-EFF03BC69A38}"/>
               </a:ext>
             </a:extLst>
           </p:cNvPr>
@@ -783,7 +783,7 @@
           <p:cNvPr id="3" name="内容占位符 2">
             <a:extLst>
               <a:ext uri="{FF2B5EF4-FFF2-40B4-BE49-F238E27FC236}">
-                <a16:creationId xmlns:a16="http://schemas.microsoft.com/office/drawing/2014/main" id="{3DD388C9-FF5D-A734-2DEC-F3FA4C96199D}"/>
+                <a16:creationId xmlns:a16="http://schemas.microsoft.com/office/drawing/2014/main" id="{13F5BFC4-09C4-C330-A73A-07C2581CFA57}"/>
               </a:ext>
             </a:extLst>
           </p:cNvPr>
@@ -840,7 +840,7 @@
           <p:cNvPr id="4" name="日期占位符 3">
             <a:extLst>
               <a:ext uri="{FF2B5EF4-FFF2-40B4-BE49-F238E27FC236}">
-                <a16:creationId xmlns:a16="http://schemas.microsoft.com/office/drawing/2014/main" id="{45921E33-E112-D376-7551-F86BB628EAE3}"/>
+                <a16:creationId xmlns:a16="http://schemas.microsoft.com/office/drawing/2014/main" id="{48A154F0-59FE-67B7-3053-2D3364F52A5E}"/>
               </a:ext>
             </a:extLst>
           </p:cNvPr>
@@ -856,7 +856,7 @@
           <a:bodyPr/>
           <a:lstStyle/>
           <a:p>
-            <a:fld id="{253C0BFC-02EA-4603-A29E-35A96B545269}" type="datetimeFigureOut">
+            <a:fld id="{7E295CBB-AEA3-4A35-A4D6-55FBCEFBA0FA}" type="datetimeFigureOut">
               <a:rPr lang="zh-CN" altLang="en-US" smtClean="0"/>
               <a:t>2024/3/10</a:t>
             </a:fld>
@@ -869,7 +869,7 @@
           <p:cNvPr id="5" name="页脚占位符 4">
             <a:extLst>
               <a:ext uri="{FF2B5EF4-FFF2-40B4-BE49-F238E27FC236}">
-                <a16:creationId xmlns:a16="http://schemas.microsoft.com/office/drawing/2014/main" id="{A5A2AC8B-ABA7-7FAC-4206-615A8CE55E09}"/>
+                <a16:creationId xmlns:a16="http://schemas.microsoft.com/office/drawing/2014/main" id="{FBAD7DB5-624D-15AB-1B4F-01D09A209824}"/>
               </a:ext>
             </a:extLst>
           </p:cNvPr>
@@ -894,7 +894,7 @@
           <p:cNvPr id="6" name="灯片编号占位符 5">
             <a:extLst>
               <a:ext uri="{FF2B5EF4-FFF2-40B4-BE49-F238E27FC236}">
-                <a16:creationId xmlns:a16="http://schemas.microsoft.com/office/drawing/2014/main" id="{4ED8F141-6181-3AE2-570C-130B598CCE99}"/>
+                <a16:creationId xmlns:a16="http://schemas.microsoft.com/office/drawing/2014/main" id="{0EBD2128-8628-2F25-5FD8-34297A22B794}"/>
               </a:ext>
             </a:extLst>
           </p:cNvPr>
@@ -910,7 +910,7 @@
           <a:bodyPr/>
           <a:lstStyle/>
           <a:p>
-            <a:fld id="{69A3E8F6-943B-49AE-A4E5-4DDBC7E890C4}" type="slidenum">
+            <a:fld id="{E9BBACD8-7E5C-43DA-A3F4-A6C13DF75664}" type="slidenum">
               <a:rPr lang="zh-CN" altLang="en-US" smtClean="0"/>
               <a:t>‹#›</a:t>
             </a:fld>
@@ -921,7 +921,7 @@
     </p:spTree>
     <p:extLst>
       <p:ext uri="{BB962C8B-B14F-4D97-AF65-F5344CB8AC3E}">
-        <p14:creationId xmlns:p14="http://schemas.microsoft.com/office/powerpoint/2010/main" val="1443231706"/>
+        <p14:creationId xmlns:p14="http://schemas.microsoft.com/office/powerpoint/2010/main" val="3188438332"/>
       </p:ext>
     </p:extLst>
   </p:cSld>
@@ -953,7 +953,7 @@
           <p:cNvPr id="2" name="标题 1">
             <a:extLst>
               <a:ext uri="{FF2B5EF4-FFF2-40B4-BE49-F238E27FC236}">
-                <a16:creationId xmlns:a16="http://schemas.microsoft.com/office/drawing/2014/main" id="{B23AF3F1-9226-EC52-2213-F29B41ED7EEB}"/>
+                <a16:creationId xmlns:a16="http://schemas.microsoft.com/office/drawing/2014/main" id="{789AFC85-8899-5409-AD32-D84F571C1117}"/>
               </a:ext>
             </a:extLst>
           </p:cNvPr>
@@ -990,7 +990,7 @@
           <p:cNvPr id="3" name="文本占位符 2">
             <a:extLst>
               <a:ext uri="{FF2B5EF4-FFF2-40B4-BE49-F238E27FC236}">
-                <a16:creationId xmlns:a16="http://schemas.microsoft.com/office/drawing/2014/main" id="{A8341C21-0980-A09B-D74E-9773BF0EC73B}"/>
+                <a16:creationId xmlns:a16="http://schemas.microsoft.com/office/drawing/2014/main" id="{E9DE5551-7D6E-F36E-B94C-DC9378225870}"/>
               </a:ext>
             </a:extLst>
           </p:cNvPr>
@@ -1115,7 +1115,7 @@
           <p:cNvPr id="4" name="日期占位符 3">
             <a:extLst>
               <a:ext uri="{FF2B5EF4-FFF2-40B4-BE49-F238E27FC236}">
-                <a16:creationId xmlns:a16="http://schemas.microsoft.com/office/drawing/2014/main" id="{30F15B9C-EF6E-343B-5F2B-759A0A4423D8}"/>
+                <a16:creationId xmlns:a16="http://schemas.microsoft.com/office/drawing/2014/main" id="{364F1C9E-3F80-75F8-787D-6F9665F5B5A8}"/>
               </a:ext>
             </a:extLst>
           </p:cNvPr>
@@ -1131,7 +1131,7 @@
           <a:bodyPr/>
           <a:lstStyle/>
           <a:p>
-            <a:fld id="{253C0BFC-02EA-4603-A29E-35A96B545269}" type="datetimeFigureOut">
+            <a:fld id="{7E295CBB-AEA3-4A35-A4D6-55FBCEFBA0FA}" type="datetimeFigureOut">
               <a:rPr lang="zh-CN" altLang="en-US" smtClean="0"/>
               <a:t>2024/3/10</a:t>
             </a:fld>
@@ -1144,7 +1144,7 @@
           <p:cNvPr id="5" name="页脚占位符 4">
             <a:extLst>
               <a:ext uri="{FF2B5EF4-FFF2-40B4-BE49-F238E27FC236}">
-                <a16:creationId xmlns:a16="http://schemas.microsoft.com/office/drawing/2014/main" id="{F48C5768-611F-6BB8-B5C3-C36E3B015E96}"/>
+                <a16:creationId xmlns:a16="http://schemas.microsoft.com/office/drawing/2014/main" id="{1E71EAD4-4905-DF95-337C-633FEB38DF35}"/>
               </a:ext>
             </a:extLst>
           </p:cNvPr>
@@ -1169,7 +1169,7 @@
           <p:cNvPr id="6" name="灯片编号占位符 5">
             <a:extLst>
               <a:ext uri="{FF2B5EF4-FFF2-40B4-BE49-F238E27FC236}">
-                <a16:creationId xmlns:a16="http://schemas.microsoft.com/office/drawing/2014/main" id="{6E14338C-D232-62F1-2103-69DED3370D62}"/>
+                <a16:creationId xmlns:a16="http://schemas.microsoft.com/office/drawing/2014/main" id="{DEFFCB4C-4BA2-6059-AF20-6461B7ABEDCC}"/>
               </a:ext>
             </a:extLst>
           </p:cNvPr>
@@ -1185,7 +1185,7 @@
           <a:bodyPr/>
           <a:lstStyle/>
           <a:p>
-            <a:fld id="{69A3E8F6-943B-49AE-A4E5-4DDBC7E890C4}" type="slidenum">
+            <a:fld id="{E9BBACD8-7E5C-43DA-A3F4-A6C13DF75664}" type="slidenum">
               <a:rPr lang="zh-CN" altLang="en-US" smtClean="0"/>
               <a:t>‹#›</a:t>
             </a:fld>
@@ -1196,7 +1196,7 @@
     </p:spTree>
     <p:extLst>
       <p:ext uri="{BB962C8B-B14F-4D97-AF65-F5344CB8AC3E}">
-        <p14:creationId xmlns:p14="http://schemas.microsoft.com/office/powerpoint/2010/main" val="2768931945"/>
+        <p14:creationId xmlns:p14="http://schemas.microsoft.com/office/powerpoint/2010/main" val="3078188616"/>
       </p:ext>
     </p:extLst>
   </p:cSld>
@@ -1228,7 +1228,7 @@
           <p:cNvPr id="2" name="标题 1">
             <a:extLst>
               <a:ext uri="{FF2B5EF4-FFF2-40B4-BE49-F238E27FC236}">
-                <a16:creationId xmlns:a16="http://schemas.microsoft.com/office/drawing/2014/main" id="{15539501-7A09-A32C-330F-D181F4448EB0}"/>
+                <a16:creationId xmlns:a16="http://schemas.microsoft.com/office/drawing/2014/main" id="{E2E95EEF-FD54-FC91-4396-C554D458C763}"/>
               </a:ext>
             </a:extLst>
           </p:cNvPr>
@@ -1256,7 +1256,7 @@
           <p:cNvPr id="3" name="内容占位符 2">
             <a:extLst>
               <a:ext uri="{FF2B5EF4-FFF2-40B4-BE49-F238E27FC236}">
-                <a16:creationId xmlns:a16="http://schemas.microsoft.com/office/drawing/2014/main" id="{8FFD53FE-7463-03F5-2DB9-24732C89E52A}"/>
+                <a16:creationId xmlns:a16="http://schemas.microsoft.com/office/drawing/2014/main" id="{4448C510-73A7-86AF-19C4-B91F5AFAB3F4}"/>
               </a:ext>
             </a:extLst>
           </p:cNvPr>
@@ -1318,7 +1318,7 @@
           <p:cNvPr id="4" name="内容占位符 3">
             <a:extLst>
               <a:ext uri="{FF2B5EF4-FFF2-40B4-BE49-F238E27FC236}">
-                <a16:creationId xmlns:a16="http://schemas.microsoft.com/office/drawing/2014/main" id="{4215881B-9435-6A62-E5A9-3FB970E84D98}"/>
+                <a16:creationId xmlns:a16="http://schemas.microsoft.com/office/drawing/2014/main" id="{72E3A439-B8FD-602E-4941-5900A33AEF79}"/>
               </a:ext>
             </a:extLst>
           </p:cNvPr>
@@ -1380,7 +1380,7 @@
           <p:cNvPr id="5" name="日期占位符 4">
             <a:extLst>
               <a:ext uri="{FF2B5EF4-FFF2-40B4-BE49-F238E27FC236}">
-                <a16:creationId xmlns:a16="http://schemas.microsoft.com/office/drawing/2014/main" id="{A3668BCF-99CD-D3A6-192A-BE5CCFE058D9}"/>
+                <a16:creationId xmlns:a16="http://schemas.microsoft.com/office/drawing/2014/main" id="{A4DE425D-E30E-B091-67A4-273E8E362B0A}"/>
               </a:ext>
             </a:extLst>
           </p:cNvPr>
@@ -1396,7 +1396,7 @@
           <a:bodyPr/>
           <a:lstStyle/>
           <a:p>
-            <a:fld id="{253C0BFC-02EA-4603-A29E-35A96B545269}" type="datetimeFigureOut">
+            <a:fld id="{7E295CBB-AEA3-4A35-A4D6-55FBCEFBA0FA}" type="datetimeFigureOut">
               <a:rPr lang="zh-CN" altLang="en-US" smtClean="0"/>
               <a:t>2024/3/10</a:t>
             </a:fld>
@@ -1409,7 +1409,7 @@
           <p:cNvPr id="6" name="页脚占位符 5">
             <a:extLst>
               <a:ext uri="{FF2B5EF4-FFF2-40B4-BE49-F238E27FC236}">
-                <a16:creationId xmlns:a16="http://schemas.microsoft.com/office/drawing/2014/main" id="{AC32FD0C-D77D-D8F5-F92E-3C87899ED666}"/>
+                <a16:creationId xmlns:a16="http://schemas.microsoft.com/office/drawing/2014/main" id="{96626BFE-5E4A-C6F8-76B6-2E6C65631488}"/>
               </a:ext>
             </a:extLst>
           </p:cNvPr>
@@ -1434,7 +1434,7 @@
           <p:cNvPr id="7" name="灯片编号占位符 6">
             <a:extLst>
               <a:ext uri="{FF2B5EF4-FFF2-40B4-BE49-F238E27FC236}">
-                <a16:creationId xmlns:a16="http://schemas.microsoft.com/office/drawing/2014/main" id="{6B247EEA-1869-638B-ADFA-ED97F35185DE}"/>
+                <a16:creationId xmlns:a16="http://schemas.microsoft.com/office/drawing/2014/main" id="{1F3443BE-6B2D-72A2-0EFE-0BF01657EAD6}"/>
               </a:ext>
             </a:extLst>
           </p:cNvPr>
@@ -1450,7 +1450,7 @@
           <a:bodyPr/>
           <a:lstStyle/>
           <a:p>
-            <a:fld id="{69A3E8F6-943B-49AE-A4E5-4DDBC7E890C4}" type="slidenum">
+            <a:fld id="{E9BBACD8-7E5C-43DA-A3F4-A6C13DF75664}" type="slidenum">
               <a:rPr lang="zh-CN" altLang="en-US" smtClean="0"/>
               <a:t>‹#›</a:t>
             </a:fld>
@@ -1461,7 +1461,7 @@
     </p:spTree>
     <p:extLst>
       <p:ext uri="{BB962C8B-B14F-4D97-AF65-F5344CB8AC3E}">
-        <p14:creationId xmlns:p14="http://schemas.microsoft.com/office/powerpoint/2010/main" val="177920433"/>
+        <p14:creationId xmlns:p14="http://schemas.microsoft.com/office/powerpoint/2010/main" val="651599332"/>
       </p:ext>
     </p:extLst>
   </p:cSld>
@@ -1493,7 +1493,7 @@
           <p:cNvPr id="2" name="标题 1">
             <a:extLst>
               <a:ext uri="{FF2B5EF4-FFF2-40B4-BE49-F238E27FC236}">
-                <a16:creationId xmlns:a16="http://schemas.microsoft.com/office/drawing/2014/main" id="{25F03C8F-581C-A286-911F-114763A03EEA}"/>
+                <a16:creationId xmlns:a16="http://schemas.microsoft.com/office/drawing/2014/main" id="{0E63741B-3297-440A-9FA6-F5738E1E2BE1}"/>
               </a:ext>
             </a:extLst>
           </p:cNvPr>
@@ -1526,7 +1526,7 @@
           <p:cNvPr id="3" name="文本占位符 2">
             <a:extLst>
               <a:ext uri="{FF2B5EF4-FFF2-40B4-BE49-F238E27FC236}">
-                <a16:creationId xmlns:a16="http://schemas.microsoft.com/office/drawing/2014/main" id="{B864C137-74C5-6A8D-4A8E-D79C1381D1F0}"/>
+                <a16:creationId xmlns:a16="http://schemas.microsoft.com/office/drawing/2014/main" id="{3E577E66-D04F-0ABE-F36B-1DCB6895C8B8}"/>
               </a:ext>
             </a:extLst>
           </p:cNvPr>
@@ -1597,7 +1597,7 @@
           <p:cNvPr id="4" name="内容占位符 3">
             <a:extLst>
               <a:ext uri="{FF2B5EF4-FFF2-40B4-BE49-F238E27FC236}">
-                <a16:creationId xmlns:a16="http://schemas.microsoft.com/office/drawing/2014/main" id="{D0EB2D29-AAFE-82DD-43C6-66058425B42F}"/>
+                <a16:creationId xmlns:a16="http://schemas.microsoft.com/office/drawing/2014/main" id="{483661F0-AF8E-31BC-A5BD-177EC9FBC3B0}"/>
               </a:ext>
             </a:extLst>
           </p:cNvPr>
@@ -1659,7 +1659,7 @@
           <p:cNvPr id="5" name="文本占位符 4">
             <a:extLst>
               <a:ext uri="{FF2B5EF4-FFF2-40B4-BE49-F238E27FC236}">
-                <a16:creationId xmlns:a16="http://schemas.microsoft.com/office/drawing/2014/main" id="{3F1B8D1F-DA20-BB9D-80D8-FC86F5DDE0FC}"/>
+                <a16:creationId xmlns:a16="http://schemas.microsoft.com/office/drawing/2014/main" id="{3122322F-29B5-FEFA-2CF8-0F3ED906737B}"/>
               </a:ext>
             </a:extLst>
           </p:cNvPr>
@@ -1730,7 +1730,7 @@
           <p:cNvPr id="6" name="内容占位符 5">
             <a:extLst>
               <a:ext uri="{FF2B5EF4-FFF2-40B4-BE49-F238E27FC236}">
-                <a16:creationId xmlns:a16="http://schemas.microsoft.com/office/drawing/2014/main" id="{993AC636-FEB3-2F48-4B4E-DD0DF655C6F0}"/>
+                <a16:creationId xmlns:a16="http://schemas.microsoft.com/office/drawing/2014/main" id="{9408D48A-B016-7F58-5760-0011DEEF5AD0}"/>
               </a:ext>
             </a:extLst>
           </p:cNvPr>
@@ -1792,7 +1792,7 @@
           <p:cNvPr id="7" name="日期占位符 6">
             <a:extLst>
               <a:ext uri="{FF2B5EF4-FFF2-40B4-BE49-F238E27FC236}">
-                <a16:creationId xmlns:a16="http://schemas.microsoft.com/office/drawing/2014/main" id="{8B93DD3B-6517-D177-5EE6-888A01DC7E61}"/>
+                <a16:creationId xmlns:a16="http://schemas.microsoft.com/office/drawing/2014/main" id="{55D0702C-E551-E77C-8052-60C95E35CCCA}"/>
               </a:ext>
             </a:extLst>
           </p:cNvPr>
@@ -1808,7 +1808,7 @@
           <a:bodyPr/>
           <a:lstStyle/>
           <a:p>
-            <a:fld id="{253C0BFC-02EA-4603-A29E-35A96B545269}" type="datetimeFigureOut">
+            <a:fld id="{7E295CBB-AEA3-4A35-A4D6-55FBCEFBA0FA}" type="datetimeFigureOut">
               <a:rPr lang="zh-CN" altLang="en-US" smtClean="0"/>
               <a:t>2024/3/10</a:t>
             </a:fld>
@@ -1821,7 +1821,7 @@
           <p:cNvPr id="8" name="页脚占位符 7">
             <a:extLst>
               <a:ext uri="{FF2B5EF4-FFF2-40B4-BE49-F238E27FC236}">
-                <a16:creationId xmlns:a16="http://schemas.microsoft.com/office/drawing/2014/main" id="{4897ACBF-537F-DFA2-FAF9-E9982F5B91BE}"/>
+                <a16:creationId xmlns:a16="http://schemas.microsoft.com/office/drawing/2014/main" id="{D41D00F5-3C58-EB76-3E5B-C85682114906}"/>
               </a:ext>
             </a:extLst>
           </p:cNvPr>
@@ -1846,7 +1846,7 @@
           <p:cNvPr id="9" name="灯片编号占位符 8">
             <a:extLst>
               <a:ext uri="{FF2B5EF4-FFF2-40B4-BE49-F238E27FC236}">
-                <a16:creationId xmlns:a16="http://schemas.microsoft.com/office/drawing/2014/main" id="{1E3C0734-CAF0-FFB7-D912-B7C9D59678DC}"/>
+                <a16:creationId xmlns:a16="http://schemas.microsoft.com/office/drawing/2014/main" id="{22736280-58E2-60BE-B66E-D23F6E7B5F2C}"/>
               </a:ext>
             </a:extLst>
           </p:cNvPr>
@@ -1862,7 +1862,7 @@
           <a:bodyPr/>
           <a:lstStyle/>
           <a:p>
-            <a:fld id="{69A3E8F6-943B-49AE-A4E5-4DDBC7E890C4}" type="slidenum">
+            <a:fld id="{E9BBACD8-7E5C-43DA-A3F4-A6C13DF75664}" type="slidenum">
               <a:rPr lang="zh-CN" altLang="en-US" smtClean="0"/>
               <a:t>‹#›</a:t>
             </a:fld>
@@ -1873,7 +1873,7 @@
     </p:spTree>
     <p:extLst>
       <p:ext uri="{BB962C8B-B14F-4D97-AF65-F5344CB8AC3E}">
-        <p14:creationId xmlns:p14="http://schemas.microsoft.com/office/powerpoint/2010/main" val="802423418"/>
+        <p14:creationId xmlns:p14="http://schemas.microsoft.com/office/powerpoint/2010/main" val="299917723"/>
       </p:ext>
     </p:extLst>
   </p:cSld>
@@ -1905,7 +1905,7 @@
           <p:cNvPr id="2" name="标题 1">
             <a:extLst>
               <a:ext uri="{FF2B5EF4-FFF2-40B4-BE49-F238E27FC236}">
-                <a16:creationId xmlns:a16="http://schemas.microsoft.com/office/drawing/2014/main" id="{4A315D08-9335-F982-50A8-0BE08E70B4BF}"/>
+                <a16:creationId xmlns:a16="http://schemas.microsoft.com/office/drawing/2014/main" id="{F7867711-6F0A-962E-E344-B250795E3593}"/>
               </a:ext>
             </a:extLst>
           </p:cNvPr>
@@ -1933,7 +1933,7 @@
           <p:cNvPr id="3" name="日期占位符 2">
             <a:extLst>
               <a:ext uri="{FF2B5EF4-FFF2-40B4-BE49-F238E27FC236}">
-                <a16:creationId xmlns:a16="http://schemas.microsoft.com/office/drawing/2014/main" id="{FF312C0F-CD78-C76C-37B0-F2B5E8896FDB}"/>
+                <a16:creationId xmlns:a16="http://schemas.microsoft.com/office/drawing/2014/main" id="{5D2FE57C-908F-CC82-EAAA-FA220F5F8C26}"/>
               </a:ext>
             </a:extLst>
           </p:cNvPr>
@@ -1949,7 +1949,7 @@
           <a:bodyPr/>
           <a:lstStyle/>
           <a:p>
-            <a:fld id="{253C0BFC-02EA-4603-A29E-35A96B545269}" type="datetimeFigureOut">
+            <a:fld id="{7E295CBB-AEA3-4A35-A4D6-55FBCEFBA0FA}" type="datetimeFigureOut">
               <a:rPr lang="zh-CN" altLang="en-US" smtClean="0"/>
               <a:t>2024/3/10</a:t>
             </a:fld>
@@ -1962,7 +1962,7 @@
           <p:cNvPr id="4" name="页脚占位符 3">
             <a:extLst>
               <a:ext uri="{FF2B5EF4-FFF2-40B4-BE49-F238E27FC236}">
-                <a16:creationId xmlns:a16="http://schemas.microsoft.com/office/drawing/2014/main" id="{9F59227C-D5B3-038B-9E33-4D6156D3CA5D}"/>
+                <a16:creationId xmlns:a16="http://schemas.microsoft.com/office/drawing/2014/main" id="{6E4B9F6A-87FD-F333-8ADA-C39518C74BA1}"/>
               </a:ext>
             </a:extLst>
           </p:cNvPr>
@@ -1987,7 +1987,7 @@
           <p:cNvPr id="5" name="灯片编号占位符 4">
             <a:extLst>
               <a:ext uri="{FF2B5EF4-FFF2-40B4-BE49-F238E27FC236}">
-                <a16:creationId xmlns:a16="http://schemas.microsoft.com/office/drawing/2014/main" id="{7789D2B0-312F-E74E-D945-8AEA32DD6207}"/>
+                <a16:creationId xmlns:a16="http://schemas.microsoft.com/office/drawing/2014/main" id="{A2967268-241D-96E6-DC44-873033B41E19}"/>
               </a:ext>
             </a:extLst>
           </p:cNvPr>
@@ -2003,7 +2003,7 @@
           <a:bodyPr/>
           <a:lstStyle/>
           <a:p>
-            <a:fld id="{69A3E8F6-943B-49AE-A4E5-4DDBC7E890C4}" type="slidenum">
+            <a:fld id="{E9BBACD8-7E5C-43DA-A3F4-A6C13DF75664}" type="slidenum">
               <a:rPr lang="zh-CN" altLang="en-US" smtClean="0"/>
               <a:t>‹#›</a:t>
             </a:fld>
@@ -2014,7 +2014,7 @@
     </p:spTree>
     <p:extLst>
       <p:ext uri="{BB962C8B-B14F-4D97-AF65-F5344CB8AC3E}">
-        <p14:creationId xmlns:p14="http://schemas.microsoft.com/office/powerpoint/2010/main" val="3896817592"/>
+        <p14:creationId xmlns:p14="http://schemas.microsoft.com/office/powerpoint/2010/main" val="3609040944"/>
       </p:ext>
     </p:extLst>
   </p:cSld>
@@ -2046,7 +2046,7 @@
           <p:cNvPr id="2" name="日期占位符 1">
             <a:extLst>
               <a:ext uri="{FF2B5EF4-FFF2-40B4-BE49-F238E27FC236}">
-                <a16:creationId xmlns:a16="http://schemas.microsoft.com/office/drawing/2014/main" id="{36ABCFA9-6841-A605-10F5-72861B696197}"/>
+                <a16:creationId xmlns:a16="http://schemas.microsoft.com/office/drawing/2014/main" id="{1AD98AB5-10BC-17E3-0C94-74E3383BA761}"/>
               </a:ext>
             </a:extLst>
           </p:cNvPr>
@@ -2062,7 +2062,7 @@
           <a:bodyPr/>
           <a:lstStyle/>
           <a:p>
-            <a:fld id="{253C0BFC-02EA-4603-A29E-35A96B545269}" type="datetimeFigureOut">
+            <a:fld id="{7E295CBB-AEA3-4A35-A4D6-55FBCEFBA0FA}" type="datetimeFigureOut">
               <a:rPr lang="zh-CN" altLang="en-US" smtClean="0"/>
               <a:t>2024/3/10</a:t>
             </a:fld>
@@ -2075,7 +2075,7 @@
           <p:cNvPr id="3" name="页脚占位符 2">
             <a:extLst>
               <a:ext uri="{FF2B5EF4-FFF2-40B4-BE49-F238E27FC236}">
-                <a16:creationId xmlns:a16="http://schemas.microsoft.com/office/drawing/2014/main" id="{054ABFEF-01E7-4853-B3F5-312034B3C25A}"/>
+                <a16:creationId xmlns:a16="http://schemas.microsoft.com/office/drawing/2014/main" id="{572F8B79-F786-2351-0532-15AA1D032B9D}"/>
               </a:ext>
             </a:extLst>
           </p:cNvPr>
@@ -2100,7 +2100,7 @@
           <p:cNvPr id="4" name="灯片编号占位符 3">
             <a:extLst>
               <a:ext uri="{FF2B5EF4-FFF2-40B4-BE49-F238E27FC236}">
-                <a16:creationId xmlns:a16="http://schemas.microsoft.com/office/drawing/2014/main" id="{DAD9A177-EEE6-A65C-6AE6-15F307FF31BA}"/>
+                <a16:creationId xmlns:a16="http://schemas.microsoft.com/office/drawing/2014/main" id="{D5DEB8D8-E475-5231-9335-ADAD0142F5F1}"/>
               </a:ext>
             </a:extLst>
           </p:cNvPr>
@@ -2116,7 +2116,7 @@
           <a:bodyPr/>
           <a:lstStyle/>
           <a:p>
-            <a:fld id="{69A3E8F6-943B-49AE-A4E5-4DDBC7E890C4}" type="slidenum">
+            <a:fld id="{E9BBACD8-7E5C-43DA-A3F4-A6C13DF75664}" type="slidenum">
               <a:rPr lang="zh-CN" altLang="en-US" smtClean="0"/>
               <a:t>‹#›</a:t>
             </a:fld>
@@ -2127,7 +2127,7 @@
     </p:spTree>
     <p:extLst>
       <p:ext uri="{BB962C8B-B14F-4D97-AF65-F5344CB8AC3E}">
-        <p14:creationId xmlns:p14="http://schemas.microsoft.com/office/powerpoint/2010/main" val="1062066193"/>
+        <p14:creationId xmlns:p14="http://schemas.microsoft.com/office/powerpoint/2010/main" val="2537445665"/>
       </p:ext>
     </p:extLst>
   </p:cSld>
@@ -2159,7 +2159,7 @@
           <p:cNvPr id="2" name="标题 1">
             <a:extLst>
               <a:ext uri="{FF2B5EF4-FFF2-40B4-BE49-F238E27FC236}">
-                <a16:creationId xmlns:a16="http://schemas.microsoft.com/office/drawing/2014/main" id="{B5E9C017-99A4-BA82-855C-57111EB6FF15}"/>
+                <a16:creationId xmlns:a16="http://schemas.microsoft.com/office/drawing/2014/main" id="{AAC96D15-E643-1E30-E688-036D0B964008}"/>
               </a:ext>
             </a:extLst>
           </p:cNvPr>
@@ -2196,7 +2196,7 @@
           <p:cNvPr id="3" name="内容占位符 2">
             <a:extLst>
               <a:ext uri="{FF2B5EF4-FFF2-40B4-BE49-F238E27FC236}">
-                <a16:creationId xmlns:a16="http://schemas.microsoft.com/office/drawing/2014/main" id="{674504C8-2636-75DC-75BB-94DA2EA874C5}"/>
+                <a16:creationId xmlns:a16="http://schemas.microsoft.com/office/drawing/2014/main" id="{5E68808A-4358-E42B-5071-1BC457E6DABC}"/>
               </a:ext>
             </a:extLst>
           </p:cNvPr>
@@ -2286,7 +2286,7 @@
           <p:cNvPr id="4" name="文本占位符 3">
             <a:extLst>
               <a:ext uri="{FF2B5EF4-FFF2-40B4-BE49-F238E27FC236}">
-                <a16:creationId xmlns:a16="http://schemas.microsoft.com/office/drawing/2014/main" id="{ACCB9AF9-79B2-7ED7-36AE-B4C2FEFADE95}"/>
+                <a16:creationId xmlns:a16="http://schemas.microsoft.com/office/drawing/2014/main" id="{3428FE5A-11CF-55D7-9F85-0206F5B9AF69}"/>
               </a:ext>
             </a:extLst>
           </p:cNvPr>
@@ -2357,7 +2357,7 @@
           <p:cNvPr id="5" name="日期占位符 4">
             <a:extLst>
               <a:ext uri="{FF2B5EF4-FFF2-40B4-BE49-F238E27FC236}">
-                <a16:creationId xmlns:a16="http://schemas.microsoft.com/office/drawing/2014/main" id="{CA91C164-794B-147B-0EB4-32C79744B8DA}"/>
+                <a16:creationId xmlns:a16="http://schemas.microsoft.com/office/drawing/2014/main" id="{04D3625A-7C6B-E0E3-C643-ED6E73F92FC0}"/>
               </a:ext>
             </a:extLst>
           </p:cNvPr>
@@ -2373,7 +2373,7 @@
           <a:bodyPr/>
           <a:lstStyle/>
           <a:p>
-            <a:fld id="{253C0BFC-02EA-4603-A29E-35A96B545269}" type="datetimeFigureOut">
+            <a:fld id="{7E295CBB-AEA3-4A35-A4D6-55FBCEFBA0FA}" type="datetimeFigureOut">
               <a:rPr lang="zh-CN" altLang="en-US" smtClean="0"/>
               <a:t>2024/3/10</a:t>
             </a:fld>
@@ -2386,7 +2386,7 @@
           <p:cNvPr id="6" name="页脚占位符 5">
             <a:extLst>
               <a:ext uri="{FF2B5EF4-FFF2-40B4-BE49-F238E27FC236}">
-                <a16:creationId xmlns:a16="http://schemas.microsoft.com/office/drawing/2014/main" id="{643FC847-5455-F7A9-B330-74F6EC0343AA}"/>
+                <a16:creationId xmlns:a16="http://schemas.microsoft.com/office/drawing/2014/main" id="{DB309FDB-456B-39A6-032C-2533C399EAA0}"/>
               </a:ext>
             </a:extLst>
           </p:cNvPr>
@@ -2411,7 +2411,7 @@
           <p:cNvPr id="7" name="灯片编号占位符 6">
             <a:extLst>
               <a:ext uri="{FF2B5EF4-FFF2-40B4-BE49-F238E27FC236}">
-                <a16:creationId xmlns:a16="http://schemas.microsoft.com/office/drawing/2014/main" id="{B369F45C-4420-1BFB-7B19-A9373F32BA75}"/>
+                <a16:creationId xmlns:a16="http://schemas.microsoft.com/office/drawing/2014/main" id="{76E41049-4317-D911-629E-8699EE8B3968}"/>
               </a:ext>
             </a:extLst>
           </p:cNvPr>
@@ -2427,7 +2427,7 @@
           <a:bodyPr/>
           <a:lstStyle/>
           <a:p>
-            <a:fld id="{69A3E8F6-943B-49AE-A4E5-4DDBC7E890C4}" type="slidenum">
+            <a:fld id="{E9BBACD8-7E5C-43DA-A3F4-A6C13DF75664}" type="slidenum">
               <a:rPr lang="zh-CN" altLang="en-US" smtClean="0"/>
               <a:t>‹#›</a:t>
             </a:fld>
@@ -2438,7 +2438,7 @@
     </p:spTree>
     <p:extLst>
       <p:ext uri="{BB962C8B-B14F-4D97-AF65-F5344CB8AC3E}">
-        <p14:creationId xmlns:p14="http://schemas.microsoft.com/office/powerpoint/2010/main" val="3232508732"/>
+        <p14:creationId xmlns:p14="http://schemas.microsoft.com/office/powerpoint/2010/main" val="2060835401"/>
       </p:ext>
     </p:extLst>
   </p:cSld>
@@ -2470,7 +2470,7 @@
           <p:cNvPr id="2" name="标题 1">
             <a:extLst>
               <a:ext uri="{FF2B5EF4-FFF2-40B4-BE49-F238E27FC236}">
-                <a16:creationId xmlns:a16="http://schemas.microsoft.com/office/drawing/2014/main" id="{334BD005-9F6A-070E-BEB4-05D73E9E399F}"/>
+                <a16:creationId xmlns:a16="http://schemas.microsoft.com/office/drawing/2014/main" id="{BB971E28-0E40-1651-C241-2DF62644B0A2}"/>
               </a:ext>
             </a:extLst>
           </p:cNvPr>
@@ -2507,7 +2507,7 @@
           <p:cNvPr id="3" name="图片占位符 2">
             <a:extLst>
               <a:ext uri="{FF2B5EF4-FFF2-40B4-BE49-F238E27FC236}">
-                <a16:creationId xmlns:a16="http://schemas.microsoft.com/office/drawing/2014/main" id="{1C0D1E57-B69C-82D9-7F4E-35C641FA40FE}"/>
+                <a16:creationId xmlns:a16="http://schemas.microsoft.com/office/drawing/2014/main" id="{990566FC-A3B1-F5C1-B549-282E0A986F02}"/>
               </a:ext>
             </a:extLst>
           </p:cNvPr>
@@ -2574,7 +2574,7 @@
           <p:cNvPr id="4" name="文本占位符 3">
             <a:extLst>
               <a:ext uri="{FF2B5EF4-FFF2-40B4-BE49-F238E27FC236}">
-                <a16:creationId xmlns:a16="http://schemas.microsoft.com/office/drawing/2014/main" id="{6AE9CA76-290A-DB9E-365C-A8F0B6B862AE}"/>
+                <a16:creationId xmlns:a16="http://schemas.microsoft.com/office/drawing/2014/main" id="{425377A2-DB83-607E-95E8-AE6A9D55E424}"/>
               </a:ext>
             </a:extLst>
           </p:cNvPr>
@@ -2645,7 +2645,7 @@
           <p:cNvPr id="5" name="日期占位符 4">
             <a:extLst>
               <a:ext uri="{FF2B5EF4-FFF2-40B4-BE49-F238E27FC236}">
-                <a16:creationId xmlns:a16="http://schemas.microsoft.com/office/drawing/2014/main" id="{2B14AEF6-145B-422E-BD49-C24010B27C64}"/>
+                <a16:creationId xmlns:a16="http://schemas.microsoft.com/office/drawing/2014/main" id="{38378055-9858-56CF-E5BA-7CCA57B628B4}"/>
               </a:ext>
             </a:extLst>
           </p:cNvPr>
@@ -2661,7 +2661,7 @@
           <a:bodyPr/>
           <a:lstStyle/>
           <a:p>
-            <a:fld id="{253C0BFC-02EA-4603-A29E-35A96B545269}" type="datetimeFigureOut">
+            <a:fld id="{7E295CBB-AEA3-4A35-A4D6-55FBCEFBA0FA}" type="datetimeFigureOut">
               <a:rPr lang="zh-CN" altLang="en-US" smtClean="0"/>
               <a:t>2024/3/10</a:t>
             </a:fld>
@@ -2674,7 +2674,7 @@
           <p:cNvPr id="6" name="页脚占位符 5">
             <a:extLst>
               <a:ext uri="{FF2B5EF4-FFF2-40B4-BE49-F238E27FC236}">
-                <a16:creationId xmlns:a16="http://schemas.microsoft.com/office/drawing/2014/main" id="{A5B06455-1078-EF7D-21B6-258A5964723B}"/>
+                <a16:creationId xmlns:a16="http://schemas.microsoft.com/office/drawing/2014/main" id="{B401CE6F-0528-B7BB-425F-7750E38A9D8D}"/>
               </a:ext>
             </a:extLst>
           </p:cNvPr>
@@ -2699,7 +2699,7 @@
           <p:cNvPr id="7" name="灯片编号占位符 6">
             <a:extLst>
               <a:ext uri="{FF2B5EF4-FFF2-40B4-BE49-F238E27FC236}">
-                <a16:creationId xmlns:a16="http://schemas.microsoft.com/office/drawing/2014/main" id="{72F09B0D-AA5A-DCC3-6349-DF7CC8DAB160}"/>
+                <a16:creationId xmlns:a16="http://schemas.microsoft.com/office/drawing/2014/main" id="{1ABECBFA-EA10-DB0E-C8EB-03E5D6028D89}"/>
               </a:ext>
             </a:extLst>
           </p:cNvPr>
@@ -2715,7 +2715,7 @@
           <a:bodyPr/>
           <a:lstStyle/>
           <a:p>
-            <a:fld id="{69A3E8F6-943B-49AE-A4E5-4DDBC7E890C4}" type="slidenum">
+            <a:fld id="{E9BBACD8-7E5C-43DA-A3F4-A6C13DF75664}" type="slidenum">
               <a:rPr lang="zh-CN" altLang="en-US" smtClean="0"/>
               <a:t>‹#›</a:t>
             </a:fld>
@@ -2726,7 +2726,7 @@
     </p:spTree>
     <p:extLst>
       <p:ext uri="{BB962C8B-B14F-4D97-AF65-F5344CB8AC3E}">
-        <p14:creationId xmlns:p14="http://schemas.microsoft.com/office/powerpoint/2010/main" val="30614546"/>
+        <p14:creationId xmlns:p14="http://schemas.microsoft.com/office/powerpoint/2010/main" val="2643632224"/>
       </p:ext>
     </p:extLst>
   </p:cSld>
@@ -2763,7 +2763,7 @@
           <p:cNvPr id="2" name="标题占位符 1">
             <a:extLst>
               <a:ext uri="{FF2B5EF4-FFF2-40B4-BE49-F238E27FC236}">
-                <a16:creationId xmlns:a16="http://schemas.microsoft.com/office/drawing/2014/main" id="{0F1620B8-CDFD-9D8C-9139-2672D48B9E73}"/>
+                <a16:creationId xmlns:a16="http://schemas.microsoft.com/office/drawing/2014/main" id="{ABB61469-6220-92CD-A3E1-3DD03569FA4E}"/>
               </a:ext>
             </a:extLst>
           </p:cNvPr>
@@ -2801,7 +2801,7 @@
           <p:cNvPr id="3" name="文本占位符 2">
             <a:extLst>
               <a:ext uri="{FF2B5EF4-FFF2-40B4-BE49-F238E27FC236}">
-                <a16:creationId xmlns:a16="http://schemas.microsoft.com/office/drawing/2014/main" id="{0A68DC82-826B-9F74-F4B0-27466EA8D500}"/>
+                <a16:creationId xmlns:a16="http://schemas.microsoft.com/office/drawing/2014/main" id="{22A7AC50-0B45-2550-36DF-BF2E48FCE1B3}"/>
               </a:ext>
             </a:extLst>
           </p:cNvPr>
@@ -2868,7 +2868,7 @@
           <p:cNvPr id="4" name="日期占位符 3">
             <a:extLst>
               <a:ext uri="{FF2B5EF4-FFF2-40B4-BE49-F238E27FC236}">
-                <a16:creationId xmlns:a16="http://schemas.microsoft.com/office/drawing/2014/main" id="{E32200C7-8DCD-DB5A-6667-2F8FAC666DF6}"/>
+                <a16:creationId xmlns:a16="http://schemas.microsoft.com/office/drawing/2014/main" id="{1AF72BEA-8066-D997-CDF8-63895EE8B6BE}"/>
               </a:ext>
             </a:extLst>
           </p:cNvPr>
@@ -2902,7 +2902,7 @@
             </a:lvl1pPr>
           </a:lstStyle>
           <a:p>
-            <a:fld id="{253C0BFC-02EA-4603-A29E-35A96B545269}" type="datetimeFigureOut">
+            <a:fld id="{7E295CBB-AEA3-4A35-A4D6-55FBCEFBA0FA}" type="datetimeFigureOut">
               <a:rPr lang="zh-CN" altLang="en-US" smtClean="0"/>
               <a:t>2024/3/10</a:t>
             </a:fld>
@@ -2915,7 +2915,7 @@
           <p:cNvPr id="5" name="页脚占位符 4">
             <a:extLst>
               <a:ext uri="{FF2B5EF4-FFF2-40B4-BE49-F238E27FC236}">
-                <a16:creationId xmlns:a16="http://schemas.microsoft.com/office/drawing/2014/main" id="{FB6B2D2C-7223-254B-CC84-BC31C04EED45}"/>
+                <a16:creationId xmlns:a16="http://schemas.microsoft.com/office/drawing/2014/main" id="{177F8818-D1F8-104C-8F69-9A776B9338B9}"/>
               </a:ext>
             </a:extLst>
           </p:cNvPr>
@@ -2958,7 +2958,7 @@
           <p:cNvPr id="6" name="灯片编号占位符 5">
             <a:extLst>
               <a:ext uri="{FF2B5EF4-FFF2-40B4-BE49-F238E27FC236}">
-                <a16:creationId xmlns:a16="http://schemas.microsoft.com/office/drawing/2014/main" id="{AD903A19-39AA-2752-9C0E-17D2F42961FC}"/>
+                <a16:creationId xmlns:a16="http://schemas.microsoft.com/office/drawing/2014/main" id="{E3135300-8CBD-6C16-CAF6-F107BF0A7502}"/>
               </a:ext>
             </a:extLst>
           </p:cNvPr>
@@ -2992,7 +2992,7 @@
             </a:lvl1pPr>
           </a:lstStyle>
           <a:p>
-            <a:fld id="{69A3E8F6-943B-49AE-A4E5-4DDBC7E890C4}" type="slidenum">
+            <a:fld id="{E9BBACD8-7E5C-43DA-A3F4-A6C13DF75664}" type="slidenum">
               <a:rPr lang="zh-CN" altLang="en-US" smtClean="0"/>
               <a:t>‹#›</a:t>
             </a:fld>
@@ -3003,7 +3003,7 @@
     </p:spTree>
     <p:extLst>
       <p:ext uri="{BB962C8B-B14F-4D97-AF65-F5344CB8AC3E}">
-        <p14:creationId xmlns:p14="http://schemas.microsoft.com/office/powerpoint/2010/main" val="2102848292"/>
+        <p14:creationId xmlns:p14="http://schemas.microsoft.com/office/powerpoint/2010/main" val="2280017247"/>
       </p:ext>
     </p:extLst>
   </p:cSld>
@@ -3323,7 +3323,7 @@
       </p:grpSpPr>
       <p:pic>
         <p:nvPicPr>
-          <p:cNvPr id="1509378" name="Picture 2" descr="1473"/>
+          <p:cNvPr id="1510402" name="Picture 2" descr="1474"/>
           <p:cNvPicPr>
             <a:picLocks noChangeAspect="1" noChangeArrowheads="1"/>
           </p:cNvPicPr>
@@ -3344,8 +3344,8 @@
         </p:blipFill>
         <p:spPr bwMode="auto">
           <a:xfrm>
-            <a:off x="1524000" y="1"/>
-            <a:ext cx="9144000" cy="6519863"/>
+            <a:off x="1524000" y="0"/>
+            <a:ext cx="9144000" cy="5373688"/>
           </a:xfrm>
           <a:prstGeom prst="rect">
             <a:avLst/>
